--- a/Milestone4/PresentationSlides.pptx
+++ b/Milestone4/PresentationSlides.pptx
@@ -269,7 +269,7 @@
           <a:p>
             <a:fld id="{90BB46C6-FF24-4981-8A17-FBBA3A8D06FB}" type="datetimeFigureOut">
               <a:rPr lang="en-US" smtClean="0"/>
-              <a:t>11/28/2017</a:t>
+              <a:t>12/5/2017</a:t>
             </a:fld>
             <a:endParaRPr lang="en-US"/>
           </a:p>
@@ -467,7 +467,7 @@
           <a:p>
             <a:fld id="{90BB46C6-FF24-4981-8A17-FBBA3A8D06FB}" type="datetimeFigureOut">
               <a:rPr lang="en-US" smtClean="0"/>
-              <a:t>11/28/2017</a:t>
+              <a:t>12/5/2017</a:t>
             </a:fld>
             <a:endParaRPr lang="en-US"/>
           </a:p>
@@ -675,7 +675,7 @@
           <a:p>
             <a:fld id="{90BB46C6-FF24-4981-8A17-FBBA3A8D06FB}" type="datetimeFigureOut">
               <a:rPr lang="en-US" smtClean="0"/>
-              <a:t>11/28/2017</a:t>
+              <a:t>12/5/2017</a:t>
             </a:fld>
             <a:endParaRPr lang="en-US"/>
           </a:p>
@@ -873,7 +873,7 @@
           <a:p>
             <a:fld id="{90BB46C6-FF24-4981-8A17-FBBA3A8D06FB}" type="datetimeFigureOut">
               <a:rPr lang="en-US" smtClean="0"/>
-              <a:t>11/28/2017</a:t>
+              <a:t>12/5/2017</a:t>
             </a:fld>
             <a:endParaRPr lang="en-US"/>
           </a:p>
@@ -1148,7 +1148,7 @@
           <a:p>
             <a:fld id="{90BB46C6-FF24-4981-8A17-FBBA3A8D06FB}" type="datetimeFigureOut">
               <a:rPr lang="en-US" smtClean="0"/>
-              <a:t>11/28/2017</a:t>
+              <a:t>12/5/2017</a:t>
             </a:fld>
             <a:endParaRPr lang="en-US"/>
           </a:p>
@@ -1413,7 +1413,7 @@
           <a:p>
             <a:fld id="{90BB46C6-FF24-4981-8A17-FBBA3A8D06FB}" type="datetimeFigureOut">
               <a:rPr lang="en-US" smtClean="0"/>
-              <a:t>11/28/2017</a:t>
+              <a:t>12/5/2017</a:t>
             </a:fld>
             <a:endParaRPr lang="en-US"/>
           </a:p>
@@ -1825,7 +1825,7 @@
           <a:p>
             <a:fld id="{90BB46C6-FF24-4981-8A17-FBBA3A8D06FB}" type="datetimeFigureOut">
               <a:rPr lang="en-US" smtClean="0"/>
-              <a:t>11/28/2017</a:t>
+              <a:t>12/5/2017</a:t>
             </a:fld>
             <a:endParaRPr lang="en-US"/>
           </a:p>
@@ -1966,7 +1966,7 @@
           <a:p>
             <a:fld id="{90BB46C6-FF24-4981-8A17-FBBA3A8D06FB}" type="datetimeFigureOut">
               <a:rPr lang="en-US" smtClean="0"/>
-              <a:t>11/28/2017</a:t>
+              <a:t>12/5/2017</a:t>
             </a:fld>
             <a:endParaRPr lang="en-US"/>
           </a:p>
@@ -2079,7 +2079,7 @@
           <a:p>
             <a:fld id="{90BB46C6-FF24-4981-8A17-FBBA3A8D06FB}" type="datetimeFigureOut">
               <a:rPr lang="en-US" smtClean="0"/>
-              <a:t>11/28/2017</a:t>
+              <a:t>12/5/2017</a:t>
             </a:fld>
             <a:endParaRPr lang="en-US"/>
           </a:p>
@@ -2390,7 +2390,7 @@
           <a:p>
             <a:fld id="{90BB46C6-FF24-4981-8A17-FBBA3A8D06FB}" type="datetimeFigureOut">
               <a:rPr lang="en-US" smtClean="0"/>
-              <a:t>11/28/2017</a:t>
+              <a:t>12/5/2017</a:t>
             </a:fld>
             <a:endParaRPr lang="en-US"/>
           </a:p>
@@ -2678,7 +2678,7 @@
           <a:p>
             <a:fld id="{90BB46C6-FF24-4981-8A17-FBBA3A8D06FB}" type="datetimeFigureOut">
               <a:rPr lang="en-US" smtClean="0"/>
-              <a:t>11/28/2017</a:t>
+              <a:t>12/5/2017</a:t>
             </a:fld>
             <a:endParaRPr lang="en-US"/>
           </a:p>
@@ -2949,7 +2949,7 @@
           <a:p>
             <a:fld id="{90BB46C6-FF24-4981-8A17-FBBA3A8D06FB}" type="datetimeFigureOut">
               <a:rPr lang="en-US" smtClean="0"/>
-              <a:t>11/28/2017</a:t>
+              <a:t>12/5/2017</a:t>
             </a:fld>
             <a:endParaRPr lang="en-US"/>
           </a:p>
@@ -3462,34 +3462,6 @@
       </p:grpSpPr>
       <p:sp>
         <p:nvSpPr>
-          <p:cNvPr id="2" name="Title 1">
-            <a:extLst>
-              <a:ext uri="{FF2B5EF4-FFF2-40B4-BE49-F238E27FC236}">
-                <a16:creationId xmlns:a16="http://schemas.microsoft.com/office/drawing/2014/main" id="{9302323A-B59B-43B5-996B-B3065B6E3DA5}"/>
-              </a:ext>
-            </a:extLst>
-          </p:cNvPr>
-          <p:cNvSpPr>
-            <a:spLocks noGrp="1"/>
-          </p:cNvSpPr>
-          <p:nvPr>
-            <p:ph type="title"/>
-          </p:nvPr>
-        </p:nvSpPr>
-        <p:spPr/>
-        <p:txBody>
-          <a:bodyPr/>
-          <a:lstStyle/>
-          <a:p>
-            <a:r>
-              <a:rPr lang="en-US" dirty="0"/>
-              <a:t>The Max</a:t>
-            </a:r>
-          </a:p>
-        </p:txBody>
-      </p:sp>
-      <p:sp>
-        <p:nvSpPr>
           <p:cNvPr id="3" name="Content Placeholder 2">
             <a:extLst>
               <a:ext uri="{FF2B5EF4-FFF2-40B4-BE49-F238E27FC236}">
@@ -3526,8 +3498,50 @@
               <a:t>(402) 346-4110</a:t>
             </a:r>
           </a:p>
-        </p:txBody>
-      </p:sp>
+          <a:p>
+            <a:pPr marL="0" indent="0">
+              <a:buNone/>
+            </a:pPr>
+            <a:endParaRPr lang="en-US" dirty="0"/>
+          </a:p>
+        </p:txBody>
+      </p:sp>
+      <p:pic>
+        <p:nvPicPr>
+          <p:cNvPr id="5" name="Picture 4">
+            <a:extLst>
+              <a:ext uri="{FF2B5EF4-FFF2-40B4-BE49-F238E27FC236}">
+                <a16:creationId xmlns:a16="http://schemas.microsoft.com/office/drawing/2014/main" id="{4D944FFE-3C07-4266-905D-29C1299C41BB}"/>
+              </a:ext>
+            </a:extLst>
+          </p:cNvPr>
+          <p:cNvPicPr>
+            <a:picLocks noChangeAspect="1"/>
+          </p:cNvPicPr>
+          <p:nvPr/>
+        </p:nvPicPr>
+        <p:blipFill>
+          <a:blip r:embed="rId2">
+            <a:extLst>
+              <a:ext uri="{28A0092B-C50C-407E-A947-70E740481C1C}">
+                <a14:useLocalDpi xmlns:a14="http://schemas.microsoft.com/office/drawing/2010/main" val="0"/>
+              </a:ext>
+            </a:extLst>
+          </a:blip>
+          <a:stretch>
+            <a:fillRect/>
+          </a:stretch>
+        </p:blipFill>
+        <p:spPr>
+          <a:xfrm>
+            <a:off x="3462278" y="477321"/>
+            <a:ext cx="4527179" cy="1202532"/>
+          </a:xfrm>
+          <a:prstGeom prst="rect">
+            <a:avLst/>
+          </a:prstGeom>
+        </p:spPr>
+      </p:pic>
     </p:spTree>
     <p:extLst>
       <p:ext uri="{BB962C8B-B14F-4D97-AF65-F5344CB8AC3E}">
@@ -3604,7 +3618,9 @@
         </p:nvSpPr>
         <p:spPr/>
         <p:txBody>
-          <a:bodyPr/>
+          <a:bodyPr>
+            <a:normAutofit/>
+          </a:bodyPr>
           <a:lstStyle/>
           <a:p>
             <a:r>
@@ -3665,6 +3681,36 @@
           </a:p>
         </p:txBody>
       </p:sp>
+      <p:pic>
+        <p:nvPicPr>
+          <p:cNvPr id="4" name="image2.gif" descr="Image result for logo snowflake">
+            <a:extLst>
+              <a:ext uri="{FF2B5EF4-FFF2-40B4-BE49-F238E27FC236}">
+                <a16:creationId xmlns:a16="http://schemas.microsoft.com/office/drawing/2014/main" id="{BD754F43-E23A-4479-A109-5A03707ED70D}"/>
+              </a:ext>
+            </a:extLst>
+          </p:cNvPr>
+          <p:cNvPicPr/>
+          <p:nvPr/>
+        </p:nvPicPr>
+        <p:blipFill>
+          <a:blip r:embed="rId2"/>
+          <a:srcRect/>
+          <a:stretch>
+            <a:fillRect/>
+          </a:stretch>
+        </p:blipFill>
+        <p:spPr>
+          <a:xfrm>
+            <a:off x="5556157" y="2133599"/>
+            <a:ext cx="5655804" cy="2822713"/>
+          </a:xfrm>
+          <a:prstGeom prst="rect">
+            <a:avLst/>
+          </a:prstGeom>
+          <a:ln/>
+        </p:spPr>
+      </p:pic>
     </p:spTree>
     <p:extLst>
       <p:ext uri="{BB962C8B-B14F-4D97-AF65-F5344CB8AC3E}">
